--- a/Lab1/Lab1.pptx
+++ b/Lab1/Lab1.pptx
@@ -9,7 +9,6 @@
     <p:sldId id="257" r:id="rId3"/>
     <p:sldId id="258" r:id="rId4"/>
     <p:sldId id="260" r:id="rId5"/>
-    <p:sldId id="259" r:id="rId6"/>
   </p:sldIdLst>
   <p:sldSz cx="9144000" cy="6858000" type="screen4x3"/>
   <p:notesSz cx="6858000" cy="9144000"/>
@@ -4075,21 +4074,98 @@
             </a:r>
           </a:p>
           <a:p>
-            <a:pPr marL="0" indent="0">
-              <a:buNone/>
-            </a:pPr>
-            <a:r>
-              <a:rPr lang="en-US" sz="3600" i="1" dirty="0" smtClean="0"/>
+            <a:pPr lvl="1"/>
+            <a:r>
+              <a:rPr lang="en-US" sz="3300" i="1" dirty="0" smtClean="0"/>
               <a:t>“In </a:t>
             </a:r>
             <a:r>
-              <a:rPr lang="en-US" sz="3600" i="1" dirty="0"/>
-              <a:t>this case we implement a task again and gain. It is the simplest technique that retries the failed task on the same resource</a:t>
-            </a:r>
-            <a:r>
-              <a:rPr lang="en-US" sz="3600" i="1" dirty="0" smtClean="0"/>
+              <a:rPr lang="en-US" sz="3300" i="1" dirty="0"/>
+              <a:t>this case we implement a task again and </a:t>
+            </a:r>
+            <a:r>
+              <a:rPr lang="en-US" sz="3300" i="1" dirty="0" smtClean="0"/>
+              <a:t>again</a:t>
+            </a:r>
+            <a:r>
+              <a:rPr lang="en-US" sz="3300" i="1" dirty="0"/>
+              <a:t>. It is the simplest technique that retries the failed task on the same resource</a:t>
+            </a:r>
+            <a:r>
+              <a:rPr lang="en-US" sz="3300" i="1" dirty="0" smtClean="0"/>
               <a:t>.” </a:t>
             </a:r>
+            <a:endParaRPr lang="en-US" sz="3300" i="1" dirty="0" smtClean="0"/>
+          </a:p>
+          <a:p>
+            <a:r>
+              <a:rPr lang="de-DE" sz="3600" dirty="0"/>
+              <a:t>Properties</a:t>
+            </a:r>
+          </a:p>
+          <a:p>
+            <a:pPr lvl="1"/>
+            <a:r>
+              <a:rPr lang="de-DE" dirty="0"/>
+              <a:t>easy </a:t>
+            </a:r>
+            <a:r>
+              <a:rPr lang="de-DE" dirty="0" err="1"/>
+              <a:t>to</a:t>
+            </a:r>
+            <a:r>
+              <a:rPr lang="de-DE" dirty="0"/>
+              <a:t> </a:t>
+            </a:r>
+            <a:r>
+              <a:rPr lang="de-DE" dirty="0" err="1"/>
+              <a:t>implement</a:t>
+            </a:r>
+            <a:endParaRPr lang="de-DE" dirty="0"/>
+          </a:p>
+          <a:p>
+            <a:pPr lvl="1"/>
+            <a:r>
+              <a:rPr lang="de-DE" dirty="0" err="1"/>
+              <a:t>higher</a:t>
+            </a:r>
+            <a:r>
+              <a:rPr lang="de-DE" dirty="0"/>
+              <a:t> </a:t>
+            </a:r>
+            <a:r>
+              <a:rPr lang="de-DE" dirty="0" err="1"/>
+              <a:t>latency</a:t>
+            </a:r>
+            <a:endParaRPr lang="de-DE" dirty="0"/>
+          </a:p>
+          <a:p>
+            <a:pPr lvl="1"/>
+            <a:r>
+              <a:rPr lang="de-DE" dirty="0" err="1"/>
+              <a:t>higher</a:t>
+            </a:r>
+            <a:r>
+              <a:rPr lang="de-DE" dirty="0"/>
+              <a:t> </a:t>
+            </a:r>
+            <a:r>
+              <a:rPr lang="de-DE" dirty="0" err="1"/>
+              <a:t>energy</a:t>
+            </a:r>
+            <a:r>
+              <a:rPr lang="de-DE" dirty="0"/>
+              <a:t> </a:t>
+            </a:r>
+            <a:r>
+              <a:rPr lang="de-DE" dirty="0" err="1" smtClean="0"/>
+              <a:t>consumption</a:t>
+            </a:r>
+            <a:endParaRPr lang="de-DE" dirty="0" smtClean="0"/>
+          </a:p>
+          <a:p>
+            <a:pPr lvl="1"/>
+            <a:endParaRPr lang="en-US" sz="3300" i="1" dirty="0" smtClean="0"/>
           </a:p>
           <a:p>
             <a:endParaRPr lang="de-DE" i="1" dirty="0"/>
@@ -4184,11 +4260,42 @@
             <a:endParaRPr lang="de-DE" sz="3600" dirty="0" smtClean="0"/>
           </a:p>
           <a:p>
-            <a:r>
-              <a:rPr lang="de-DE" sz="3600" smtClean="0"/>
+            <a:pPr lvl="1"/>
+            <a:r>
+              <a:rPr lang="en-US" sz="2800" i="1" dirty="0" smtClean="0"/>
+              <a:t>“A </a:t>
+            </a:r>
+            <a:r>
+              <a:rPr lang="en-US" sz="2800" i="1" dirty="0"/>
+              <a:t>job may fail now whenever a failed task is detected, In this case at runtime the task is resubmitted either to the same or to a different resource for execution. </a:t>
+            </a:r>
+            <a:r>
+              <a:rPr lang="en-US" sz="2800" i="1" dirty="0" smtClean="0"/>
+              <a:t>“</a:t>
+            </a:r>
+            <a:endParaRPr lang="de-DE" sz="2800" i="1" dirty="0" smtClean="0"/>
+          </a:p>
+          <a:p>
+            <a:r>
+              <a:rPr lang="de-DE" sz="3600" dirty="0" smtClean="0"/>
               <a:t>Job Migration</a:t>
             </a:r>
-            <a:endParaRPr lang="de-DE" sz="3600"/>
+          </a:p>
+          <a:p>
+            <a:pPr lvl="1"/>
+            <a:r>
+              <a:rPr lang="en-US" sz="2800" i="1" dirty="0" smtClean="0"/>
+              <a:t>“Some </a:t>
+            </a:r>
+            <a:r>
+              <a:rPr lang="en-US" sz="2800" i="1" dirty="0"/>
+              <a:t>time it happened that due to some reason a job can- not be completely executed on a particular machine. At the time of failure of any task, task can be migrated to another machine. </a:t>
+            </a:r>
+            <a:r>
+              <a:rPr lang="en-US" sz="2800" i="1" dirty="0" smtClean="0"/>
+              <a:t>“</a:t>
+            </a:r>
+            <a:endParaRPr lang="de-DE" sz="2400" i="1" dirty="0"/>
           </a:p>
         </p:txBody>
       </p:sp>
@@ -4202,91 +4309,13 @@
   <p:clrMapOvr>
     <a:masterClrMapping/>
   </p:clrMapOvr>
-</p:sld>
-</file>
-
-<file path=ppt/slides/slide5.xml><?xml version="1.0" encoding="utf-8"?>
-<p:sld xmlns:a="http://schemas.openxmlformats.org/drawingml/2006/main" xmlns:r="http://schemas.openxmlformats.org/officeDocument/2006/relationships" xmlns:p="http://schemas.openxmlformats.org/presentationml/2006/main">
-  <p:cSld>
-    <p:spTree>
-      <p:nvGrpSpPr>
-        <p:cNvPr id="1" name=""/>
-        <p:cNvGrpSpPr/>
-        <p:nvPr/>
-      </p:nvGrpSpPr>
-      <p:grpSpPr>
-        <a:xfrm>
-          <a:off x="0" y="0"/>
-          <a:ext cx="0" cy="0"/>
-          <a:chOff x="0" y="0"/>
-          <a:chExt cx="0" cy="0"/>
-        </a:xfrm>
-      </p:grpSpPr>
-      <p:sp>
-        <p:nvSpPr>
-          <p:cNvPr id="2" name="Titel 1"/>
-          <p:cNvSpPr>
-            <a:spLocks noGrp="1"/>
-          </p:cNvSpPr>
-          <p:nvPr>
-            <p:ph type="title"/>
-          </p:nvPr>
-        </p:nvSpPr>
-        <p:spPr/>
-        <p:txBody>
-          <a:bodyPr/>
-          <a:lstStyle/>
-          <a:p>
-            <a:r>
-              <a:rPr lang="en-GB" dirty="0" smtClean="0"/>
-              <a:t>Advantage/Disadvantage</a:t>
-            </a:r>
-            <a:endParaRPr lang="en-GB" dirty="0"/>
-          </a:p>
-        </p:txBody>
-      </p:sp>
-      <p:sp>
-        <p:nvSpPr>
-          <p:cNvPr id="3" name="Inhaltsplatzhalter 2"/>
-          <p:cNvSpPr>
-            <a:spLocks noGrp="1"/>
-          </p:cNvSpPr>
-          <p:nvPr>
-            <p:ph sz="quarter" idx="1"/>
-          </p:nvPr>
-        </p:nvSpPr>
-        <p:spPr/>
-        <p:txBody>
-          <a:bodyPr/>
-          <a:lstStyle/>
-          <a:p>
-            <a:r>
-              <a:rPr lang="de-DE" dirty="0" smtClean="0"/>
-              <a:t>Advantage</a:t>
-            </a:r>
-          </a:p>
-          <a:p>
-            <a:endParaRPr lang="de-DE" dirty="0"/>
-          </a:p>
-          <a:p>
-            <a:r>
-              <a:rPr lang="de-DE" dirty="0" err="1" smtClean="0"/>
-              <a:t>Disadavantage</a:t>
-            </a:r>
-            <a:endParaRPr lang="de-DE" dirty="0"/>
-          </a:p>
-        </p:txBody>
-      </p:sp>
-    </p:spTree>
-    <p:extLst>
-      <p:ext uri="{BB962C8B-B14F-4D97-AF65-F5344CB8AC3E}">
-        <p14:creationId xmlns:p14="http://schemas.microsoft.com/office/powerpoint/2010/main" val="1174456367"/>
-      </p:ext>
-    </p:extLst>
-  </p:cSld>
-  <p:clrMapOvr>
-    <a:masterClrMapping/>
-  </p:clrMapOvr>
+  <p:timing>
+    <p:tnLst>
+      <p:par>
+        <p:cTn id="1" dur="indefinite" restart="never" nodeType="tmRoot"/>
+      </p:par>
+    </p:tnLst>
+  </p:timing>
 </p:sld>
 </file>
 

--- a/Lab1/Lab1.pptx
+++ b/Lab1/Lab1.pptx
@@ -107,6 +107,22 @@
       </a:defRPr>
     </a:lvl9pPr>
   </p:defaultTextStyle>
+  <p:extLst>
+    <p:ext uri="{EFAFB233-063F-42B5-8137-9DF3F51BA10A}">
+      <p15:sldGuideLst xmlns:p15="http://schemas.microsoft.com/office/powerpoint/2012/main">
+        <p15:guide id="1" orient="horz" pos="2160">
+          <p15:clr>
+            <a:srgbClr val="A4A3A4"/>
+          </p15:clr>
+        </p15:guide>
+        <p15:guide id="2" pos="2880">
+          <p15:clr>
+            <a:srgbClr val="A4A3A4"/>
+          </p15:clr>
+        </p15:guide>
+      </p15:sldGuideLst>
+    </p:ext>
+  </p:extLst>
 </p:presentation>
 </file>
 
@@ -253,7 +269,7 @@
           <a:p>
             <a:fld id="{1BA50D42-C9CD-4801-B293-61D1F53EC57E}" type="datetimeFigureOut">
               <a:rPr lang="de-DE" smtClean="0"/>
-              <a:t>18.10.2016</a:t>
+              <a:t>19.10.16</a:t>
             </a:fld>
             <a:endParaRPr lang="de-DE"/>
           </a:p>
@@ -305,7 +321,7 @@
           <a:p>
             <a:fld id="{6C6AE60A-B69C-4790-82F7-3882EDF23186}" type="slidenum">
               <a:rPr lang="de-DE" smtClean="0"/>
-              <a:t>‹Nr.›</a:t>
+              <a:t>‹#›</a:t>
             </a:fld>
             <a:endParaRPr lang="de-DE"/>
           </a:p>
@@ -612,7 +628,7 @@
           <a:p>
             <a:fld id="{1BA50D42-C9CD-4801-B293-61D1F53EC57E}" type="datetimeFigureOut">
               <a:rPr lang="de-DE" smtClean="0"/>
-              <a:t>18.10.2016</a:t>
+              <a:t>19.10.16</a:t>
             </a:fld>
             <a:endParaRPr lang="de-DE"/>
           </a:p>
@@ -654,7 +670,7 @@
           <a:p>
             <a:fld id="{6C6AE60A-B69C-4790-82F7-3882EDF23186}" type="slidenum">
               <a:rPr lang="de-DE" smtClean="0"/>
-              <a:t>‹Nr.›</a:t>
+              <a:t>‹#›</a:t>
             </a:fld>
             <a:endParaRPr lang="de-DE"/>
           </a:p>
@@ -787,7 +803,7 @@
           <a:p>
             <a:fld id="{1BA50D42-C9CD-4801-B293-61D1F53EC57E}" type="datetimeFigureOut">
               <a:rPr lang="de-DE" smtClean="0"/>
-              <a:t>18.10.2016</a:t>
+              <a:t>19.10.16</a:t>
             </a:fld>
             <a:endParaRPr lang="de-DE"/>
           </a:p>
@@ -829,7 +845,7 @@
           <a:p>
             <a:fld id="{6C6AE60A-B69C-4790-82F7-3882EDF23186}" type="slidenum">
               <a:rPr lang="de-DE" smtClean="0"/>
-              <a:t>‹Nr.›</a:t>
+              <a:t>‹#›</a:t>
             </a:fld>
             <a:endParaRPr lang="de-DE"/>
           </a:p>
@@ -1022,7 +1038,7 @@
           <a:p>
             <a:fld id="{1BA50D42-C9CD-4801-B293-61D1F53EC57E}" type="datetimeFigureOut">
               <a:rPr lang="de-DE" smtClean="0"/>
-              <a:t>18.10.2016</a:t>
+              <a:t>19.10.16</a:t>
             </a:fld>
             <a:endParaRPr lang="de-DE"/>
           </a:p>
@@ -1064,7 +1080,7 @@
           <a:p>
             <a:fld id="{6C6AE60A-B69C-4790-82F7-3882EDF23186}" type="slidenum">
               <a:rPr lang="de-DE" smtClean="0"/>
-              <a:t>‹Nr.›</a:t>
+              <a:t>‹#›</a:t>
             </a:fld>
             <a:endParaRPr lang="de-DE"/>
           </a:p>
@@ -1291,7 +1307,7 @@
           <a:p>
             <a:fld id="{1BA50D42-C9CD-4801-B293-61D1F53EC57E}" type="datetimeFigureOut">
               <a:rPr lang="de-DE" smtClean="0"/>
-              <a:t>18.10.2016</a:t>
+              <a:t>19.10.16</a:t>
             </a:fld>
             <a:endParaRPr lang="de-DE"/>
           </a:p>
@@ -1343,7 +1359,7 @@
           <a:p>
             <a:fld id="{6C6AE60A-B69C-4790-82F7-3882EDF23186}" type="slidenum">
               <a:rPr lang="de-DE" smtClean="0"/>
-              <a:t>‹Nr.›</a:t>
+              <a:t>‹#›</a:t>
             </a:fld>
             <a:endParaRPr lang="de-DE"/>
           </a:p>
@@ -1511,7 +1527,7 @@
           <a:p>
             <a:fld id="{1BA50D42-C9CD-4801-B293-61D1F53EC57E}" type="datetimeFigureOut">
               <a:rPr lang="de-DE" smtClean="0"/>
-              <a:t>18.10.2016</a:t>
+              <a:t>19.10.16</a:t>
             </a:fld>
             <a:endParaRPr lang="de-DE"/>
           </a:p>
@@ -1553,7 +1569,7 @@
           <a:p>
             <a:fld id="{6C6AE60A-B69C-4790-82F7-3882EDF23186}" type="slidenum">
               <a:rPr lang="de-DE" smtClean="0"/>
-              <a:t>‹Nr.›</a:t>
+              <a:t>‹#›</a:t>
             </a:fld>
             <a:endParaRPr lang="de-DE"/>
           </a:p>
@@ -1863,7 +1879,7 @@
           <a:p>
             <a:fld id="{1BA50D42-C9CD-4801-B293-61D1F53EC57E}" type="datetimeFigureOut">
               <a:rPr lang="de-DE" smtClean="0"/>
-              <a:t>18.10.2016</a:t>
+              <a:t>19.10.16</a:t>
             </a:fld>
             <a:endParaRPr lang="de-DE"/>
           </a:p>
@@ -1905,7 +1921,7 @@
           <a:p>
             <a:fld id="{6C6AE60A-B69C-4790-82F7-3882EDF23186}" type="slidenum">
               <a:rPr lang="de-DE" smtClean="0"/>
-              <a:t>‹Nr.›</a:t>
+              <a:t>‹#›</a:t>
             </a:fld>
             <a:endParaRPr lang="de-DE"/>
           </a:p>
@@ -2095,7 +2111,7 @@
           <a:p>
             <a:fld id="{1BA50D42-C9CD-4801-B293-61D1F53EC57E}" type="datetimeFigureOut">
               <a:rPr lang="de-DE" smtClean="0"/>
-              <a:t>18.10.2016</a:t>
+              <a:t>19.10.16</a:t>
             </a:fld>
             <a:endParaRPr lang="de-DE"/>
           </a:p>
@@ -2137,7 +2153,7 @@
           <a:p>
             <a:fld id="{6C6AE60A-B69C-4790-82F7-3882EDF23186}" type="slidenum">
               <a:rPr lang="de-DE" smtClean="0"/>
-              <a:t>‹Nr.›</a:t>
+              <a:t>‹#›</a:t>
             </a:fld>
             <a:endParaRPr lang="de-DE"/>
           </a:p>
@@ -2235,7 +2251,7 @@
           <a:p>
             <a:fld id="{1BA50D42-C9CD-4801-B293-61D1F53EC57E}" type="datetimeFigureOut">
               <a:rPr lang="de-DE" smtClean="0"/>
-              <a:t>18.10.2016</a:t>
+              <a:t>19.10.16</a:t>
             </a:fld>
             <a:endParaRPr lang="de-DE"/>
           </a:p>
@@ -2277,7 +2293,7 @@
           <a:p>
             <a:fld id="{6C6AE60A-B69C-4790-82F7-3882EDF23186}" type="slidenum">
               <a:rPr lang="de-DE" smtClean="0"/>
-              <a:t>‹Nr.›</a:t>
+              <a:t>‹#›</a:t>
             </a:fld>
             <a:endParaRPr lang="de-DE"/>
           </a:p>
@@ -2512,7 +2528,7 @@
           <a:p>
             <a:fld id="{1BA50D42-C9CD-4801-B293-61D1F53EC57E}" type="datetimeFigureOut">
               <a:rPr lang="de-DE" smtClean="0"/>
-              <a:t>18.10.2016</a:t>
+              <a:t>19.10.16</a:t>
             </a:fld>
             <a:endParaRPr lang="de-DE"/>
           </a:p>
@@ -2554,7 +2570,7 @@
           <a:p>
             <a:fld id="{6C6AE60A-B69C-4790-82F7-3882EDF23186}" type="slidenum">
               <a:rPr lang="de-DE" smtClean="0"/>
-              <a:t>‹Nr.›</a:t>
+              <a:t>‹#›</a:t>
             </a:fld>
             <a:endParaRPr lang="de-DE"/>
           </a:p>
@@ -2919,7 +2935,7 @@
           <a:p>
             <a:fld id="{1BA50D42-C9CD-4801-B293-61D1F53EC57E}" type="datetimeFigureOut">
               <a:rPr lang="de-DE" smtClean="0"/>
-              <a:t>18.10.2016</a:t>
+              <a:t>19.10.16</a:t>
             </a:fld>
             <a:endParaRPr lang="de-DE"/>
           </a:p>
@@ -2961,7 +2977,7 @@
           <a:p>
             <a:fld id="{6C6AE60A-B69C-4790-82F7-3882EDF23186}" type="slidenum">
               <a:rPr lang="de-DE" smtClean="0"/>
-              <a:t>‹Nr.›</a:t>
+              <a:t>‹#›</a:t>
             </a:fld>
             <a:endParaRPr lang="de-DE"/>
           </a:p>
@@ -3257,7 +3273,7 @@
           <a:p>
             <a:fld id="{1BA50D42-C9CD-4801-B293-61D1F53EC57E}" type="datetimeFigureOut">
               <a:rPr lang="de-DE" smtClean="0"/>
-              <a:t>18.10.2016</a:t>
+              <a:t>19.10.16</a:t>
             </a:fld>
             <a:endParaRPr lang="de-DE"/>
           </a:p>
@@ -3331,7 +3347,7 @@
           <a:p>
             <a:fld id="{6C6AE60A-B69C-4790-82F7-3882EDF23186}" type="slidenum">
               <a:rPr lang="de-DE" smtClean="0"/>
-              <a:t>‹Nr.›</a:t>
+              <a:t>‹#›</a:t>
             </a:fld>
             <a:endParaRPr lang="de-DE"/>
           </a:p>
@@ -4069,7 +4085,7 @@
           <a:lstStyle/>
           <a:p>
             <a:r>
-              <a:rPr lang="en-GB" sz="3600" dirty="0" smtClean="0"/>
+              <a:rPr lang="en-US" sz="3600" dirty="0" smtClean="0"/>
               <a:t>Retry</a:t>
             </a:r>
           </a:p>
@@ -4077,98 +4093,42 @@
             <a:pPr lvl="1"/>
             <a:r>
               <a:rPr lang="en-US" sz="3300" i="1" dirty="0" smtClean="0"/>
-              <a:t>“In </a:t>
-            </a:r>
-            <a:r>
-              <a:rPr lang="en-US" sz="3300" i="1" dirty="0"/>
-              <a:t>this case we implement a task again and </a:t>
-            </a:r>
-            <a:r>
-              <a:rPr lang="en-US" sz="3300" i="1" dirty="0" smtClean="0"/>
-              <a:t>again</a:t>
-            </a:r>
-            <a:r>
-              <a:rPr lang="en-US" sz="3300" i="1" dirty="0"/>
-              <a:t>. It is the simplest technique that retries the failed task on the same resource</a:t>
-            </a:r>
-            <a:r>
-              <a:rPr lang="en-US" sz="3300" i="1" dirty="0" smtClean="0"/>
-              <a:t>.” </a:t>
-            </a:r>
-            <a:endParaRPr lang="en-US" sz="3300" i="1" dirty="0" smtClean="0"/>
-          </a:p>
-          <a:p>
-            <a:r>
-              <a:rPr lang="de-DE" sz="3600" dirty="0"/>
+              <a:t>“In this case we implement a task again and again. It is the simplest technique that retries the failed task on the same resource.” </a:t>
+            </a:r>
+          </a:p>
+          <a:p>
+            <a:r>
+              <a:rPr lang="en-US" sz="3600" dirty="0" smtClean="0"/>
               <a:t>Properties</a:t>
             </a:r>
           </a:p>
           <a:p>
             <a:pPr lvl="1"/>
             <a:r>
-              <a:rPr lang="de-DE" dirty="0"/>
-              <a:t>easy </a:t>
-            </a:r>
-            <a:r>
-              <a:rPr lang="de-DE" dirty="0" err="1"/>
-              <a:t>to</a:t>
-            </a:r>
-            <a:r>
-              <a:rPr lang="de-DE" dirty="0"/>
-              <a:t> </a:t>
-            </a:r>
-            <a:r>
-              <a:rPr lang="de-DE" dirty="0" err="1"/>
-              <a:t>implement</a:t>
-            </a:r>
-            <a:endParaRPr lang="de-DE" dirty="0"/>
+              <a:rPr lang="en-US" dirty="0" smtClean="0"/>
+              <a:t>easy to implement</a:t>
+            </a:r>
           </a:p>
           <a:p>
             <a:pPr lvl="1"/>
             <a:r>
-              <a:rPr lang="de-DE" dirty="0" err="1"/>
-              <a:t>higher</a:t>
-            </a:r>
-            <a:r>
-              <a:rPr lang="de-DE" dirty="0"/>
-              <a:t> </a:t>
-            </a:r>
-            <a:r>
-              <a:rPr lang="de-DE" dirty="0" err="1"/>
-              <a:t>latency</a:t>
-            </a:r>
-            <a:endParaRPr lang="de-DE" dirty="0"/>
+              <a:rPr lang="en-US" dirty="0" smtClean="0"/>
+              <a:t>higher latency</a:t>
+            </a:r>
           </a:p>
           <a:p>
             <a:pPr lvl="1"/>
             <a:r>
-              <a:rPr lang="de-DE" dirty="0" err="1"/>
-              <a:t>higher</a:t>
-            </a:r>
-            <a:r>
-              <a:rPr lang="de-DE" dirty="0"/>
-              <a:t> </a:t>
-            </a:r>
-            <a:r>
-              <a:rPr lang="de-DE" dirty="0" err="1"/>
-              <a:t>energy</a:t>
-            </a:r>
-            <a:r>
-              <a:rPr lang="de-DE" dirty="0"/>
-              <a:t> </a:t>
-            </a:r>
-            <a:r>
-              <a:rPr lang="de-DE" dirty="0" err="1" smtClean="0"/>
-              <a:t>consumption</a:t>
-            </a:r>
-            <a:endParaRPr lang="de-DE" dirty="0" smtClean="0"/>
+              <a:rPr lang="en-US" dirty="0" smtClean="0"/>
+              <a:t>higher energy consumption</a:t>
+            </a:r>
           </a:p>
           <a:p>
             <a:pPr lvl="1"/>
             <a:endParaRPr lang="en-US" sz="3300" i="1" dirty="0" smtClean="0"/>
           </a:p>
           <a:p>
-            <a:endParaRPr lang="de-DE" i="1" dirty="0"/>
+            <a:endParaRPr lang="en-US" i="1" dirty="0"/>
           </a:p>
         </p:txBody>
       </p:sp>
